--- a/Презентация.pptx
+++ b/Презентация.pptx
@@ -9,9 +9,8 @@
     <p:sldId id="265" r:id="rId4"/>
     <p:sldId id="267" r:id="rId5"/>
     <p:sldId id="268" r:id="rId6"/>
-    <p:sldId id="269" r:id="rId7"/>
-    <p:sldId id="270" r:id="rId8"/>
-    <p:sldId id="271" r:id="rId9"/>
+    <p:sldId id="270" r:id="rId7"/>
+    <p:sldId id="271" r:id="rId8"/>
   </p:sldIdLst>
   <p:sldSz cx="12192000" cy="6858000"/>
   <p:notesSz cx="6858000" cy="9144000"/>
@@ -9318,13 +9317,13 @@
         </p:nvSpPr>
         <p:spPr>
           <a:xfrm>
-            <a:off x="695960" y="1301750"/>
-            <a:ext cx="10591165" cy="4873625"/>
+            <a:off x="582295" y="1301750"/>
+            <a:ext cx="6511290" cy="4873625"/>
           </a:xfrm>
         </p:spPr>
         <p:txBody>
           <a:bodyPr>
-            <a:normAutofit lnSpcReduction="10000"/>
+            <a:normAutofit/>
           </a:bodyPr>
           <a:p>
             <a:pPr marL="0" indent="0">
@@ -9334,14 +9333,8 @@
               <a:rPr lang="ru-RU" dirty="0">
                 <a:sym typeface="+mn-ea"/>
               </a:rPr>
-              <a:t>Секретный шифр – на карте будут разбросаны листочки с цифрами и символами, а также записка с нужным шифром из символов. Всего таких листочков 8 штук, и игроку предстоит найти нужные листочки, чтобы ввести код в конце карты.</a:t>
+              <a:t>Поиск листочков - по всей карте будут разбросаны листочки, и игроку предстоить подобрать их все, чтобы закончилась игра.</a:t>
             </a:r>
-            <a:endParaRPr lang="ru-RU" dirty="0"/>
-          </a:p>
-          <a:p>
-            <a:pPr marL="0" indent="0">
-              <a:buNone/>
-            </a:pPr>
             <a:endParaRPr lang="ru-RU" dirty="0"/>
           </a:p>
           <a:p>
@@ -9361,9 +9354,33 @@
           </a:p>
         </p:txBody>
       </p:sp>
+      <p:pic>
+        <p:nvPicPr>
+          <p:cNvPr id="4" name="Изображение 3"/>
+          <p:cNvPicPr>
+            <a:picLocks noChangeAspect="1"/>
+          </p:cNvPicPr>
+          <p:nvPr/>
+        </p:nvPicPr>
+        <p:blipFill>
+          <a:blip r:embed="rId1"/>
+          <a:stretch>
+            <a:fillRect/>
+          </a:stretch>
+        </p:blipFill>
+        <p:spPr>
+          <a:xfrm>
+            <a:off x="7496175" y="1570990"/>
+            <a:ext cx="4523105" cy="4037965"/>
+          </a:xfrm>
+          <a:prstGeom prst="rect">
+            <a:avLst/>
+          </a:prstGeom>
+        </p:spPr>
+      </p:pic>
     </p:spTree>
     <p:custDataLst>
-      <p:tags r:id="rId1"/>
+      <p:tags r:id="rId2"/>
     </p:custDataLst>
   </p:cSld>
   <p:clrMapOvr>
@@ -9398,10 +9415,8 @@
           <a:p>
             <a:pPr algn="ctr"/>
             <a:r>
-              <a:rPr lang="ru-RU" dirty="0">
-                <a:sym typeface="+mn-ea"/>
-              </a:rPr>
-              <a:t>Финальный уровень</a:t>
+              <a:rPr lang="ru-RU" altLang="en-US"/>
+              <a:t>Гемплейная часть игры</a:t>
             </a:r>
             <a:endParaRPr lang="ru-RU" altLang="en-US"/>
           </a:p>
@@ -9426,21 +9441,18 @@
             </a:pPr>
             <a:r>
               <a:rPr lang="ru-RU" dirty="0">
-                <a:solidFill>
-                  <a:schemeClr val="tx2">
-                    <a:lumMod val="50000"/>
-                  </a:schemeClr>
-                </a:solidFill>
                 <a:sym typeface="+mn-ea"/>
               </a:rPr>
-              <a:t>                                     Главный босс.</a:t>
+              <a:t>У игрока есть здоровье – 5 жизней, поэтому важно проходить игру без получения урона. </a:t>
             </a:r>
+            <a:endParaRPr lang="ru-RU" dirty="0"/>
+          </a:p>
+          <a:p>
+            <a:pPr marL="0" indent="0">
+              <a:buNone/>
+            </a:pPr>
             <a:endParaRPr lang="ru-RU" dirty="0">
-              <a:solidFill>
-                <a:schemeClr val="tx2">
-                  <a:lumMod val="50000"/>
-                </a:schemeClr>
-              </a:solidFill>
+              <a:sym typeface="+mn-ea"/>
             </a:endParaRPr>
           </a:p>
           <a:p>
@@ -9451,29 +9463,8 @@
               <a:rPr lang="ru-RU" dirty="0">
                 <a:sym typeface="+mn-ea"/>
               </a:rPr>
-              <a:t>В конце 2 уровня игрок меч, и с его помощью предстоит победить главного злодея – Злого Мага</a:t>
+              <a:t>При смерти игрока он возрождается на том же уровне, на котором находится.</a:t>
             </a:r>
-            <a:endParaRPr lang="ru-RU" dirty="0"/>
-          </a:p>
-          <a:p>
-            <a:pPr marL="0" indent="0">
-              <a:buNone/>
-            </a:pPr>
-            <a:endParaRPr lang="ru-RU" dirty="0"/>
-          </a:p>
-          <a:p>
-            <a:pPr marL="0" indent="0">
-              <a:buNone/>
-            </a:pPr>
-            <a:r>
-              <a:rPr lang="ru-RU" dirty="0">
-                <a:sym typeface="+mn-ea"/>
-              </a:rPr>
-              <a:t>Кроме босса, на уровне будут щупальца и враги, что сильно усложняет прохождение.</a:t>
-            </a:r>
-            <a:endParaRPr lang="ru-RU" dirty="0"/>
-          </a:p>
-          <a:p>
             <a:endParaRPr lang="ru-RU" altLang="en-US"/>
           </a:p>
         </p:txBody>
@@ -9516,7 +9507,7 @@
             <a:pPr algn="ctr"/>
             <a:r>
               <a:rPr lang="ru-RU" altLang="en-US"/>
-              <a:t>Гемплейная часть игры</a:t>
+              <a:t>Прочее про игру и идеи на будущее</a:t>
             </a:r>
             <a:endParaRPr lang="ru-RU" altLang="en-US"/>
           </a:p>
@@ -9532,126 +9523,58 @@
             <p:ph idx="1"/>
           </p:nvPr>
         </p:nvSpPr>
-        <p:spPr/>
+        <p:spPr>
+          <a:xfrm>
+            <a:off x="695960" y="1301750"/>
+            <a:ext cx="5666105" cy="4873625"/>
+          </a:xfrm>
+        </p:spPr>
         <p:txBody>
-          <a:bodyPr/>
-          <a:p>
-            <a:pPr marL="0" indent="0">
-              <a:buNone/>
-            </a:pPr>
-            <a:r>
-              <a:rPr lang="ru-RU" dirty="0">
-                <a:sym typeface="+mn-ea"/>
-              </a:rPr>
-              <a:t>У игрока есть здоровье – 5 жизней, поэтому важно проходить игру без получения урона. </a:t>
-            </a:r>
-            <a:endParaRPr lang="ru-RU" dirty="0"/>
-          </a:p>
-          <a:p>
-            <a:pPr marL="0" indent="0">
-              <a:buNone/>
-            </a:pPr>
-            <a:endParaRPr lang="ru-RU" dirty="0"/>
-          </a:p>
-          <a:p>
-            <a:pPr marL="0" indent="0">
-              <a:buNone/>
-            </a:pPr>
-            <a:r>
-              <a:rPr lang="ru-RU" dirty="0">
-                <a:sym typeface="+mn-ea"/>
-              </a:rPr>
-              <a:t>Но на уровнях будет особый предмет - еда, которая исцеляет игрока, если он потерял жизни при прохождении.</a:t>
-            </a:r>
-            <a:endParaRPr lang="ru-RU" dirty="0"/>
-          </a:p>
-          <a:p>
-            <a:pPr marL="0" indent="0">
-              <a:buNone/>
-            </a:pPr>
-            <a:endParaRPr lang="ru-RU" dirty="0">
-              <a:sym typeface="+mn-ea"/>
-            </a:endParaRPr>
-          </a:p>
-          <a:p>
-            <a:pPr marL="0" indent="0">
-              <a:buNone/>
-            </a:pPr>
-            <a:r>
-              <a:rPr lang="ru-RU" dirty="0">
-                <a:sym typeface="+mn-ea"/>
-              </a:rPr>
-              <a:t>При смерти игрока он возрождается на том же уровне, на котором находится.</a:t>
-            </a:r>
-            <a:endParaRPr lang="ru-RU" altLang="en-US"/>
-          </a:p>
-        </p:txBody>
-      </p:sp>
-    </p:spTree>
-    <p:custDataLst>
-      <p:tags r:id="rId1"/>
-    </p:custDataLst>
-  </p:cSld>
-  <p:clrMapOvr>
-    <a:masterClrMapping/>
-  </p:clrMapOvr>
-</p:sld>
-</file>
-
-<file path=ppt/slides/slide7.xml><?xml version="1.0" encoding="utf-8"?>
-<p:sld xmlns:a="http://schemas.openxmlformats.org/drawingml/2006/main" xmlns:r="http://schemas.openxmlformats.org/officeDocument/2006/relationships" xmlns:p="http://schemas.openxmlformats.org/presentationml/2006/main">
-  <p:cSld>
-    <p:spTree>
-      <p:nvGrpSpPr>
-        <p:cNvPr id="1" name=""/>
-        <p:cNvGrpSpPr/>
-        <p:nvPr/>
-      </p:nvGrpSpPr>
-      <p:grpSpPr/>
-      <p:sp>
-        <p:nvSpPr>
-          <p:cNvPr id="2" name="Заголовок 1"/>
-          <p:cNvSpPr>
-            <a:spLocks noGrp="1"/>
-          </p:cNvSpPr>
-          <p:nvPr>
-            <p:ph type="title"/>
-          </p:nvPr>
-        </p:nvSpPr>
-        <p:spPr/>
-        <p:txBody>
-          <a:bodyPr/>
-          <a:p>
-            <a:pPr algn="ctr"/>
-            <a:r>
-              <a:rPr lang="ru-RU" altLang="en-US"/>
-              <a:t>Прочее про игру и идеи на будущее</a:t>
-            </a:r>
-            <a:endParaRPr lang="ru-RU" altLang="en-US"/>
-          </a:p>
-        </p:txBody>
-      </p:sp>
-      <p:sp>
-        <p:nvSpPr>
-          <p:cNvPr id="3" name="Замещающее содержимое 2"/>
-          <p:cNvSpPr>
-            <a:spLocks noGrp="1"/>
-          </p:cNvSpPr>
-          <p:nvPr>
-            <p:ph idx="1"/>
-          </p:nvPr>
-        </p:nvSpPr>
-        <p:spPr/>
-        <p:txBody>
-          <a:bodyPr/>
+          <a:bodyPr>
+            <a:normAutofit fontScale="90000"/>
+          </a:bodyPr>
           <a:p>
             <a:pPr marL="0" indent="0">
               <a:buNone/>
             </a:pPr>
             <a:r>
               <a:rPr lang="ru-RU" altLang="en-US"/>
-              <a:t>Здесь скоро что-то будет</a:t>
+              <a:t>Планы на будущее:</a:t>
             </a:r>
+            <a:endParaRPr lang="ru-RU" altLang="en-US"/>
+          </a:p>
+          <a:p>
+            <a:r>
+              <a:rPr lang="ru-RU" altLang="en-US"/>
+              <a:t>создать 3 уровень с боссом</a:t>
+            </a:r>
+            <a:endParaRPr lang="ru-RU" altLang="en-US"/>
+          </a:p>
+          <a:p>
+            <a:r>
+              <a:rPr lang="ru-RU" altLang="en-US"/>
+              <a:t>сделать нанесение врагам урон с помощью оружия.</a:t>
+            </a:r>
+            <a:endParaRPr lang="ru-RU" altLang="en-US"/>
+          </a:p>
+          <a:p>
+            <a:r>
+              <a:rPr lang="ru-RU" altLang="en-US"/>
+              <a:t>сделать так, чтобы на втором уровне игроку предстояло содрать листочки с шифром, и в конце уровня открыть замок, который переносит игрока на 3 уровень.</a:t>
+            </a:r>
+            <a:endParaRPr lang="ru-RU" altLang="en-US"/>
+          </a:p>
+          <a:p>
+            <a:r>
+              <a:rPr lang="ru-RU" altLang="en-US"/>
+              <a:t>добавить пасхалок :)</a:t>
+            </a:r>
+            <a:endParaRPr lang="ru-RU" altLang="en-US"/>
+          </a:p>
+          <a:p>
+            <a:pPr marL="0" indent="0">
+              <a:buNone/>
+            </a:pPr>
             <a:endParaRPr lang="ru-RU" altLang="en-US"/>
           </a:p>
         </p:txBody>
@@ -10168,14 +10091,6 @@
 </file>
 
 <file path=ppt/tags/tag128.xml><?xml version="1.0" encoding="utf-8"?>
-<p:tagLst xmlns:p="http://schemas.openxmlformats.org/presentationml/2006/main">
-  <p:tag name="KSO_WM_BEAUTIFY_FLAG" val="#wm#"/>
-  <p:tag name="KSO_WM_TEMPLATE_CATEGORY" val="custom"/>
-  <p:tag name="KSO_WM_TEMPLATE_INDEX" val="20238136"/>
-</p:tagLst>
-</file>
-
-<file path=ppt/tags/tag129.xml><?xml version="1.0" encoding="utf-8"?>
 <p:tagLst xmlns:p="http://schemas.openxmlformats.org/presentationml/2006/main">
   <p:tag name="KSO_WM_BEAUTIFY_FLAG" val="#wm#"/>
   <p:tag name="KSO_WM_TEMPLATE_CATEGORY" val="custom"/>
